--- a/Sasi_Kaladhar/Sasi_Future Cart_Project_Presentation_ppt.pptx
+++ b/Sasi_Kaladhar/Sasi_Future Cart_Project_Presentation_ppt.pptx
@@ -120,6 +120,11 @@
       </a:defRPr>
     </a:lvl9pPr>
   </p:defaultTextStyle>
+  <p:extLst>
+    <p:ext uri="{EFAFB233-063F-42B5-8137-9DF3F51BA10A}">
+      <p15:sldGuideLst xmlns:p15="http://schemas.microsoft.com/office/powerpoint/2012/main"/>
+    </p:ext>
+  </p:extLst>
 </p:presentation>
 </file>
 
@@ -5774,7 +5779,7 @@
         </p:nvSpPr>
         <p:spPr>
           <a:xfrm>
-            <a:off x="1227840" y="860725"/>
+            <a:off x="549110" y="513662"/>
             <a:ext cx="9448800" cy="1825096"/>
           </a:xfrm>
         </p:spPr>
@@ -5827,28 +5832,36 @@
         </p:nvSpPr>
         <p:spPr>
           <a:xfrm>
-            <a:off x="5142321" y="2000021"/>
-            <a:ext cx="9448800" cy="685800"/>
-          </a:xfrm>
-        </p:spPr>
-        <p:txBody>
-          <a:bodyPr/>
+            <a:off x="2601797" y="1868046"/>
+            <a:ext cx="9907572" cy="685800"/>
+          </a:xfrm>
+        </p:spPr>
+        <p:txBody>
+          <a:bodyPr>
+            <a:normAutofit/>
+          </a:bodyPr>
           <a:lstStyle/>
           <a:p>
             <a:r>
-              <a:rPr lang="en-US" sz="2000" b="1" u="none" strike="noStrike" cap="none" spc="0" dirty="0">
+              <a:rPr lang="en-US" sz="2800" b="1" u="none" strike="noStrike" cap="none" spc="0" dirty="0">
                 <a:solidFill>
                   <a:srgbClr val="FFAB40">
                     <a:alpha val="100000"/>
                   </a:srgbClr>
                 </a:solidFill>
-                <a:latin typeface="Calibri"/>
+                <a:latin typeface="Calibri" panose="020F0502020204030204" pitchFamily="34" charset="0"/>
+                <a:ea typeface="Calibri" panose="020F0502020204030204" pitchFamily="34" charset="0"/>
+                <a:cs typeface="Calibri" panose="020F0502020204030204" pitchFamily="34" charset="0"/>
               </a:rPr>
               <a:t>- Enhancing E-Commerce through Effective Demand Forecasting</a:t>
             </a:r>
           </a:p>
           <a:p>
-            <a:endParaRPr lang="en-US" dirty="0"/>
+            <a:endParaRPr lang="en-US" sz="2800" dirty="0">
+              <a:latin typeface="Calibri" panose="020F0502020204030204" pitchFamily="34" charset="0"/>
+              <a:ea typeface="Calibri" panose="020F0502020204030204" pitchFamily="34" charset="0"/>
+              <a:cs typeface="Calibri" panose="020F0502020204030204" pitchFamily="34" charset="0"/>
+            </a:endParaRPr>
           </a:p>
         </p:txBody>
       </p:sp>
@@ -5866,8 +5879,8 @@
         </p:nvSpPr>
         <p:spPr>
           <a:xfrm>
-            <a:off x="3479448" y="3299618"/>
-            <a:ext cx="4945585" cy="992579"/>
+            <a:off x="3158936" y="4172180"/>
+            <a:ext cx="5111271" cy="1238801"/>
           </a:xfrm>
           <a:prstGeom prst="rect">
             <a:avLst/>
@@ -5881,7 +5894,9 @@
           <a:lstStyle/>
           <a:p>
             <a:r>
-              <a:rPr lang="en-US" sz="2400" b="1" dirty="0"/>
+              <a:rPr lang="en-US" sz="3200" b="1" dirty="0">
+                <a:latin typeface="Aptos" panose="020B0004020202020204" pitchFamily="34" charset="0"/>
+              </a:rPr>
               <a:t>Presented By : </a:t>
             </a:r>
           </a:p>
@@ -5890,17 +5905,32 @@
           </a:p>
           <a:p>
             <a:r>
-              <a:rPr lang="en-US" sz="2400" dirty="0"/>
+              <a:rPr lang="en-US" sz="2400" i="1" dirty="0">
+                <a:latin typeface="Calibri" panose="020F0502020204030204" pitchFamily="34" charset="0"/>
+                <a:ea typeface="Calibri" panose="020F0502020204030204" pitchFamily="34" charset="0"/>
+                <a:cs typeface="Calibri" panose="020F0502020204030204" pitchFamily="34" charset="0"/>
+              </a:rPr>
               <a:t>             </a:t>
             </a:r>
             <a:r>
-              <a:rPr lang="en-US" sz="2400" dirty="0">
+              <a:rPr lang="en-US" sz="3200" i="1" dirty="0">
                 <a:solidFill>
                   <a:srgbClr val="FFFF00"/>
                 </a:solidFill>
+                <a:latin typeface="Calibri" panose="020F0502020204030204" pitchFamily="34" charset="0"/>
+                <a:ea typeface="Calibri" panose="020F0502020204030204" pitchFamily="34" charset="0"/>
+                <a:cs typeface="Calibri" panose="020F0502020204030204" pitchFamily="34" charset="0"/>
               </a:rPr>
               <a:t>Adigopula Sasi Kaladhar</a:t>
             </a:r>
+            <a:endParaRPr lang="en-US" sz="2400" i="1" dirty="0">
+              <a:solidFill>
+                <a:srgbClr val="FFFF00"/>
+              </a:solidFill>
+              <a:latin typeface="Calibri" panose="020F0502020204030204" pitchFamily="34" charset="0"/>
+              <a:ea typeface="Calibri" panose="020F0502020204030204" pitchFamily="34" charset="0"/>
+              <a:cs typeface="Calibri" panose="020F0502020204030204" pitchFamily="34" charset="0"/>
+            </a:endParaRPr>
           </a:p>
         </p:txBody>
       </p:sp>
